--- a/British airways model.pptx
+++ b/British airways model.pptx
@@ -5148,104 +5148,35 @@
           </a:p>
         </p:txBody>
       </p:sp>
-      <p:sp>
-        <p:nvSpPr>
-          <p:cNvPr id="3" name="Content Placeholder 2"/>
-          <p:cNvSpPr>
-            <a:spLocks noGrp="1"/>
-          </p:cNvSpPr>
+      <p:pic>
+        <p:nvPicPr>
+          <p:cNvPr id="4" name="Content Placeholder 3"/>
+          <p:cNvPicPr>
+            <a:picLocks noGrp="1" noChangeAspect="1"/>
+          </p:cNvPicPr>
           <p:nvPr>
             <p:ph idx="1"/>
           </p:nvPr>
-        </p:nvSpPr>
-        <p:spPr/>
-        <p:txBody>
-          <a:bodyPr/>
-          <a:lstStyle/>
-          <a:p>
-            <a:pPr marL="45720" indent="0">
-              <a:buNone/>
-            </a:pPr>
-            <a:r>
-              <a:rPr lang="en-US" dirty="0"/>
-              <a:t>Feature Importance 8 </a:t>
-            </a:r>
-            <a:r>
-              <a:rPr lang="en-US" dirty="0" err="1"/>
-              <a:t>booking_origin</a:t>
-            </a:r>
-            <a:r>
-              <a:rPr lang="en-US" dirty="0"/>
-              <a:t> 0.168616 7 route 0.146131 3 </a:t>
-            </a:r>
-            <a:r>
-              <a:rPr lang="en-US" dirty="0" err="1"/>
-              <a:t>purchase_lead</a:t>
-            </a:r>
-            <a:r>
-              <a:rPr lang="en-US" dirty="0"/>
-              <a:t> 0.142002 12 </a:t>
-            </a:r>
-            <a:r>
-              <a:rPr lang="en-US" dirty="0" err="1"/>
-              <a:t>flight_duration</a:t>
-            </a:r>
-            <a:r>
-              <a:rPr lang="en-US" dirty="0"/>
-              <a:t> 0.125192 4 </a:t>
-            </a:r>
-            <a:r>
-              <a:rPr lang="en-US" dirty="0" err="1"/>
-              <a:t>length_of_stay</a:t>
-            </a:r>
-            <a:r>
-              <a:rPr lang="en-US" dirty="0"/>
-              <a:t> 0.115518 5 </a:t>
-            </a:r>
-            <a:r>
-              <a:rPr lang="en-US" dirty="0" err="1"/>
-              <a:t>flight_hour</a:t>
-            </a:r>
-            <a:r>
-              <a:rPr lang="en-US" dirty="0"/>
-              <a:t> 0.098429 6 </a:t>
-            </a:r>
-            <a:r>
-              <a:rPr lang="en-US" dirty="0" err="1"/>
-              <a:t>flight_day</a:t>
-            </a:r>
-            <a:r>
-              <a:rPr lang="en-US" dirty="0"/>
-              <a:t> 0.074131 0 </a:t>
-            </a:r>
-            <a:r>
-              <a:rPr lang="en-US" dirty="0" err="1"/>
-              <a:t>num_passengers</a:t>
-            </a:r>
-            <a:r>
-              <a:rPr lang="en-US" dirty="0"/>
-              <a:t> 0.035357 1 </a:t>
-            </a:r>
-            <a:r>
-              <a:rPr lang="en-US" dirty="0" err="1"/>
-              <a:t>sales_channel</a:t>
-            </a:r>
-            <a:r>
-              <a:rPr lang="en-US" dirty="0"/>
-              <a:t> 0.034333 11 </a:t>
-            </a:r>
-            <a:r>
-              <a:rPr lang="en-US" dirty="0" err="1"/>
-              <a:t>wants_in_flight_meals</a:t>
-            </a:r>
-            <a:r>
-              <a:rPr lang="en-US"/>
-              <a:t> 0.021953</a:t>
-            </a:r>
-            <a:endParaRPr lang="en-US" dirty="0"/>
-          </a:p>
-        </p:txBody>
-      </p:sp>
+        </p:nvPicPr>
+        <p:blipFill>
+          <a:blip r:embed="rId2">
+            <a:extLst>
+              <a:ext uri="{28A0092B-C50C-407E-A947-70E740481C1C}">
+                <a14:useLocalDpi xmlns:a14="http://schemas.microsoft.com/office/drawing/2010/main" val="0"/>
+              </a:ext>
+            </a:extLst>
+          </a:blip>
+          <a:stretch>
+            <a:fillRect/>
+          </a:stretch>
+        </p:blipFill>
+        <p:spPr>
+          <a:xfrm>
+            <a:off x="2889024" y="1828800"/>
+            <a:ext cx="5039178" cy="4191000"/>
+          </a:xfrm>
+        </p:spPr>
+      </p:pic>
     </p:spTree>
     <p:extLst>
       <p:ext uri="{BB962C8B-B14F-4D97-AF65-F5344CB8AC3E}">
